--- a/DV about datasen and problem.pptx
+++ b/DV about datasen and problem.pptx
@@ -1046,8 +1046,8 @@
         </p:nvSpPr>
         <p:spPr>
           <a:xfrm>
-            <a:off x="381188" y="685800"/>
-            <a:ext cx="6096300" cy="3429000"/>
+            <a:off x="381000" y="685800"/>
+            <a:ext cx="6096000" cy="3429000"/>
           </a:xfrm>
           <a:custGeom>
             <a:avLst/>
@@ -1150,8 +1150,8 @@
         </p:nvSpPr>
         <p:spPr>
           <a:xfrm>
-            <a:off x="381188" y="685800"/>
-            <a:ext cx="6096300" cy="3429000"/>
+            <a:off x="381000" y="685800"/>
+            <a:ext cx="6096000" cy="3429000"/>
           </a:xfrm>
           <a:custGeom>
             <a:avLst/>
@@ -7090,7 +7090,7 @@
         <p:spPr>
           <a:xfrm>
             <a:off x="3958175" y="1051275"/>
-            <a:ext cx="5092500" cy="813600"/>
+            <a:ext cx="5092500" cy="1080009"/>
           </a:xfrm>
           <a:prstGeom prst="rect">
             <a:avLst/>
@@ -7106,20 +7106,16 @@
           </a:bodyPr>
           <a:lstStyle/>
           <a:p>
-            <a:pPr marL="0" lvl="0" indent="0" algn="ctr" rtl="0">
+            <a:pPr algn="ctr">
               <a:lnSpc>
                 <a:spcPct val="115000"/>
               </a:lnSpc>
-              <a:spcBef>
-                <a:spcPts val="0"/>
-              </a:spcBef>
               <a:spcAft>
                 <a:spcPts val="1600"/>
               </a:spcAft>
-              <a:buNone/>
             </a:pPr>
             <a:r>
-              <a:rPr lang="en" sz="1900">
+              <a:rPr lang="en" sz="1900" dirty="0">
                 <a:solidFill>
                   <a:srgbClr val="FF0000"/>
                 </a:solidFill>
@@ -7131,9 +7127,39 @@
                 <a:cs typeface="Average"/>
                 <a:sym typeface="Average"/>
               </a:rPr>
-              <a:t>The debt burden of Kazakhstanis is growing from year to year !</a:t>
+              <a:t>The debt </a:t>
             </a:r>
-            <a:endParaRPr sz="1500">
+            <a:r>
+              <a:rPr lang="en-US" sz="1900" dirty="0">
+                <a:solidFill>
+                  <a:srgbClr val="FF0000"/>
+                </a:solidFill>
+                <a:highlight>
+                  <a:schemeClr val="dk1"/>
+                </a:highlight>
+                <a:latin typeface="Average"/>
+                <a:ea typeface="Average"/>
+                <a:cs typeface="Average"/>
+                <a:sym typeface="Average"/>
+              </a:rPr>
+              <a:t>load</a:t>
+            </a:r>
+            <a:r>
+              <a:rPr lang="en" sz="1900" dirty="0">
+                <a:solidFill>
+                  <a:srgbClr val="FF0000"/>
+                </a:solidFill>
+                <a:highlight>
+                  <a:schemeClr val="dk1"/>
+                </a:highlight>
+                <a:latin typeface="Average"/>
+                <a:ea typeface="Average"/>
+                <a:cs typeface="Average"/>
+                <a:sym typeface="Average"/>
+              </a:rPr>
+              <a:t> of Kazakhstanis is growing from year to year !</a:t>
+            </a:r>
+            <a:endParaRPr sz="1500" dirty="0">
               <a:solidFill>
                 <a:srgbClr val="FF0000"/>
               </a:solidFill>
@@ -7315,7 +7341,7 @@
         </p:nvSpPr>
         <p:spPr>
           <a:xfrm>
-            <a:off x="311700" y="445025"/>
+            <a:off x="70244" y="0"/>
             <a:ext cx="8520600" cy="572700"/>
           </a:xfrm>
           <a:prstGeom prst="rect">
@@ -7338,10 +7364,10 @@
               <a:buNone/>
             </a:pPr>
             <a:r>
-              <a:rPr lang="en" sz="3900"/>
+              <a:rPr lang="en" sz="2400" dirty="0"/>
               <a:t>About dataset</a:t>
             </a:r>
-            <a:endParaRPr sz="3900"/>
+            <a:endParaRPr sz="2400" dirty="0"/>
           </a:p>
         </p:txBody>
       </p:sp>
@@ -7357,7 +7383,7 @@
         </p:nvSpPr>
         <p:spPr>
           <a:xfrm>
-            <a:off x="6123500" y="1405625"/>
+            <a:off x="5933715" y="968938"/>
             <a:ext cx="2771700" cy="1166100"/>
           </a:xfrm>
           <a:prstGeom prst="rect">
@@ -7382,7 +7408,7 @@
               <a:buChar char="●"/>
             </a:pPr>
             <a:r>
-              <a:rPr lang="en" sz="1600">
+              <a:rPr lang="en" sz="1600" dirty="0">
                 <a:solidFill>
                   <a:srgbClr val="000000"/>
                 </a:solidFill>
@@ -7403,7 +7429,7 @@
               </a:rPr>
               <a:t>https://stat.gov.kz</a:t>
             </a:r>
-            <a:endParaRPr sz="1600">
+            <a:endParaRPr sz="1600" dirty="0">
               <a:solidFill>
                 <a:srgbClr val="000000"/>
               </a:solidFill>
@@ -7426,7 +7452,7 @@
               <a:buChar char="●"/>
             </a:pPr>
             <a:r>
-              <a:rPr lang="en" sz="1600">
+              <a:rPr lang="en" sz="1600" dirty="0">
                 <a:solidFill>
                   <a:srgbClr val="000000"/>
                 </a:solidFill>
@@ -7447,7 +7473,7 @@
               </a:rPr>
               <a:t>https://www.nationalbank.kz</a:t>
             </a:r>
-            <a:endParaRPr sz="1600">
+            <a:endParaRPr sz="1600" dirty="0">
               <a:solidFill>
                 <a:srgbClr val="000000"/>
               </a:solidFill>
@@ -7459,32 +7485,272 @@
           </a:p>
         </p:txBody>
       </p:sp>
+      <p:sp>
+        <p:nvSpPr>
+          <p:cNvPr id="2" name="TextBox 1">
+            <a:extLst>
+              <a:ext uri="{FF2B5EF4-FFF2-40B4-BE49-F238E27FC236}">
+                <a16:creationId xmlns:a16="http://schemas.microsoft.com/office/drawing/2014/main" id="{60DECD21-A532-EE37-4F5E-A57B8254ABDE}"/>
+              </a:ext>
+            </a:extLst>
+          </p:cNvPr>
+          <p:cNvSpPr txBox="1"/>
+          <p:nvPr/>
+        </p:nvSpPr>
+        <p:spPr>
+          <a:xfrm>
+            <a:off x="0" y="430615"/>
+            <a:ext cx="8520601" cy="1600438"/>
+          </a:xfrm>
+          <a:prstGeom prst="rect">
+            <a:avLst/>
+          </a:prstGeom>
+          <a:noFill/>
+        </p:spPr>
+        <p:txBody>
+          <a:bodyPr wrap="square" rtlCol="0">
+            <a:spAutoFit/>
+          </a:bodyPr>
+          <a:lstStyle/>
+          <a:p>
+            <a:pPr marL="127000" lvl="0" algn="l" rtl="0">
+              <a:spcBef>
+                <a:spcPts val="0"/>
+              </a:spcBef>
+              <a:spcAft>
+                <a:spcPts val="0"/>
+              </a:spcAft>
+              <a:buSzPts val="1600"/>
+            </a:pPr>
+            <a:r>
+              <a:rPr lang="en-US" dirty="0">
+                <a:latin typeface="+mj-lt"/>
+              </a:rPr>
+              <a:t>Dataset consists data from </a:t>
+            </a:r>
+            <a:r>
+              <a:rPr lang="en-US" sz="1400" dirty="0">
+                <a:solidFill>
+                  <a:srgbClr val="000000"/>
+                </a:solidFill>
+                <a:uFill>
+                  <a:noFill/>
+                </a:uFill>
+                <a:latin typeface="+mj-lt"/>
+                <a:ea typeface="Oswald"/>
+                <a:cs typeface="Oswald"/>
+                <a:sym typeface="Oswald"/>
+                <a:hlinkClick r:id="rId3">
+                  <a:extLst>
+                    <a:ext uri="{A12FA001-AC4F-418D-AE19-62706E023703}">
+                      <ahyp:hlinkClr xmlns:ahyp="http://schemas.microsoft.com/office/drawing/2018/hyperlinkcolor" val="tx"/>
+                    </a:ext>
+                  </a:extLst>
+                </a:hlinkClick>
+              </a:rPr>
+              <a:t>https://stat.gov.kz</a:t>
+            </a:r>
+            <a:r>
+              <a:rPr lang="en-US" dirty="0">
+                <a:latin typeface="+mj-lt"/>
+                <a:ea typeface="Oswald"/>
+                <a:cs typeface="Oswald"/>
+                <a:sym typeface="Oswald"/>
+              </a:rPr>
+              <a:t>, </a:t>
+            </a:r>
+            <a:r>
+              <a:rPr lang="en-US" sz="1400" dirty="0">
+                <a:solidFill>
+                  <a:srgbClr val="000000"/>
+                </a:solidFill>
+                <a:uFill>
+                  <a:noFill/>
+                </a:uFill>
+                <a:latin typeface="+mj-lt"/>
+                <a:ea typeface="Oswald"/>
+                <a:cs typeface="Oswald"/>
+                <a:sym typeface="Oswald"/>
+                <a:hlinkClick r:id="rId5">
+                  <a:extLst>
+                    <a:ext uri="{A12FA001-AC4F-418D-AE19-62706E023703}">
+                      <ahyp:hlinkClr xmlns:ahyp="http://schemas.microsoft.com/office/drawing/2018/hyperlinkcolor" val="tx"/>
+                    </a:ext>
+                  </a:extLst>
+                </a:hlinkClick>
+              </a:rPr>
+              <a:t>https://www.nationalbank.kz</a:t>
+            </a:r>
+            <a:r>
+              <a:rPr lang="en-US" dirty="0">
+                <a:uFill>
+                  <a:noFill/>
+                </a:uFill>
+                <a:latin typeface="+mj-lt"/>
+                <a:ea typeface="Oswald"/>
+                <a:cs typeface="Oswald"/>
+                <a:sym typeface="Oswald"/>
+              </a:rPr>
+              <a:t>. Statistical data from 2012 to 2022 until July for every month.</a:t>
+            </a:r>
+          </a:p>
+          <a:p>
+            <a:pPr marL="127000" lvl="0" algn="l" rtl="0">
+              <a:spcBef>
+                <a:spcPts val="0"/>
+              </a:spcBef>
+              <a:spcAft>
+                <a:spcPts val="0"/>
+              </a:spcAft>
+              <a:buSzPts val="1600"/>
+            </a:pPr>
+            <a:endParaRPr lang="en-US" sz="1400" dirty="0">
+              <a:solidFill>
+                <a:srgbClr val="000000"/>
+              </a:solidFill>
+              <a:uFill>
+                <a:noFill/>
+              </a:uFill>
+              <a:latin typeface="+mj-lt"/>
+              <a:ea typeface="Oswald"/>
+              <a:cs typeface="Oswald"/>
+              <a:sym typeface="Oswald"/>
+            </a:endParaRPr>
+          </a:p>
+          <a:p>
+            <a:pPr marL="127000" lvl="0" algn="l" rtl="0">
+              <a:spcBef>
+                <a:spcPts val="0"/>
+              </a:spcBef>
+              <a:spcAft>
+                <a:spcPts val="0"/>
+              </a:spcAft>
+              <a:buSzPts val="1600"/>
+            </a:pPr>
+            <a:r>
+              <a:rPr lang="en-US" sz="1400" dirty="0">
+                <a:solidFill>
+                  <a:srgbClr val="000000"/>
+                </a:solidFill>
+                <a:latin typeface="+mj-lt"/>
+                <a:ea typeface="Oswald"/>
+                <a:cs typeface="Oswald"/>
+                <a:sym typeface="Oswald"/>
+              </a:rPr>
+              <a:t>There are 10 years (*12 month), 17 regions</a:t>
+            </a:r>
+          </a:p>
+          <a:p>
+            <a:pPr marL="127000" lvl="0" algn="l" rtl="0">
+              <a:spcBef>
+                <a:spcPts val="0"/>
+              </a:spcBef>
+              <a:spcAft>
+                <a:spcPts val="0"/>
+              </a:spcAft>
+              <a:buSzPts val="1600"/>
+            </a:pPr>
+            <a:endParaRPr lang="en-US" dirty="0">
+              <a:latin typeface="+mj-lt"/>
+              <a:ea typeface="Oswald"/>
+              <a:cs typeface="Oswald"/>
+              <a:sym typeface="Oswald"/>
+            </a:endParaRPr>
+          </a:p>
+          <a:p>
+            <a:pPr marL="127000" lvl="0" algn="l" rtl="0">
+              <a:spcBef>
+                <a:spcPts val="0"/>
+              </a:spcBef>
+              <a:spcAft>
+                <a:spcPts val="0"/>
+              </a:spcAft>
+              <a:buSzPts val="1600"/>
+            </a:pPr>
+            <a:r>
+              <a:rPr lang="en-US" sz="1400" dirty="0">
+                <a:solidFill>
+                  <a:srgbClr val="000000"/>
+                </a:solidFill>
+                <a:latin typeface="+mj-lt"/>
+                <a:ea typeface="Oswald"/>
+                <a:cs typeface="Oswald"/>
+                <a:sym typeface="Oswald"/>
+              </a:rPr>
+              <a:t>60 columns from different sphere</a:t>
+            </a:r>
+          </a:p>
+          <a:p>
+            <a:r>
+              <a:rPr lang="en-US" dirty="0">
+                <a:latin typeface="+mj-lt"/>
+              </a:rPr>
+              <a:t> </a:t>
+            </a:r>
+            <a:endParaRPr lang="ru-KZ" dirty="0">
+              <a:latin typeface="+mj-lt"/>
+            </a:endParaRPr>
+          </a:p>
+        </p:txBody>
+      </p:sp>
       <p:pic>
         <p:nvPicPr>
-          <p:cNvPr id="78" name="Google Shape;78;p15"/>
-          <p:cNvPicPr preferRelativeResize="0"/>
+          <p:cNvPr id="5" name="Рисунок 4">
+            <a:extLst>
+              <a:ext uri="{FF2B5EF4-FFF2-40B4-BE49-F238E27FC236}">
+                <a16:creationId xmlns:a16="http://schemas.microsoft.com/office/drawing/2014/main" id="{CBB648B6-9447-749F-C659-DE8BC2F6CE1C}"/>
+              </a:ext>
+            </a:extLst>
+          </p:cNvPr>
+          <p:cNvPicPr>
+            <a:picLocks noChangeAspect="1"/>
+          </p:cNvPicPr>
           <p:nvPr/>
         </p:nvPicPr>
         <p:blipFill>
-          <a:blip r:embed="rId5">
-            <a:alphaModFix/>
-          </a:blip>
+          <a:blip r:embed="rId6"/>
           <a:stretch>
             <a:fillRect/>
           </a:stretch>
         </p:blipFill>
         <p:spPr>
           <a:xfrm>
-            <a:off x="311697" y="1162812"/>
-            <a:ext cx="5968174" cy="3566926"/>
+            <a:off x="82039" y="1816914"/>
+            <a:ext cx="7515454" cy="3106557"/>
           </a:xfrm>
           <a:prstGeom prst="rect">
             <a:avLst/>
           </a:prstGeom>
-          <a:noFill/>
-          <a:ln>
-            <a:noFill/>
-          </a:ln>
+        </p:spPr>
+      </p:pic>
+      <p:pic>
+        <p:nvPicPr>
+          <p:cNvPr id="8" name="Рисунок 7">
+            <a:extLst>
+              <a:ext uri="{FF2B5EF4-FFF2-40B4-BE49-F238E27FC236}">
+                <a16:creationId xmlns:a16="http://schemas.microsoft.com/office/drawing/2014/main" id="{C7A92C2B-7B90-2F44-97A0-7F08EB8630FF}"/>
+              </a:ext>
+            </a:extLst>
+          </p:cNvPr>
+          <p:cNvPicPr>
+            <a:picLocks noChangeAspect="1"/>
+          </p:cNvPicPr>
+          <p:nvPr/>
+        </p:nvPicPr>
+        <p:blipFill>
+          <a:blip r:embed="rId7"/>
+          <a:stretch>
+            <a:fillRect/>
+          </a:stretch>
+        </p:blipFill>
+        <p:spPr>
+          <a:xfrm>
+            <a:off x="6728273" y="2586587"/>
+            <a:ext cx="2267700" cy="2336884"/>
+          </a:xfrm>
+          <a:prstGeom prst="rect">
+            <a:avLst/>
+          </a:prstGeom>
         </p:spPr>
       </p:pic>
     </p:spTree>
@@ -7547,10 +7813,10 @@
               <a:buNone/>
             </a:pPr>
             <a:r>
-              <a:rPr lang="en"/>
+              <a:rPr lang="en" dirty="0"/>
               <a:t>Hypotheses</a:t>
             </a:r>
-            <a:endParaRPr/>
+            <a:endParaRPr dirty="0"/>
           </a:p>
         </p:txBody>
       </p:sp>
@@ -7728,7 +7994,7 @@
           </a:bodyPr>
           <a:lstStyle/>
           <a:p>
-            <a:pPr marL="457200" marR="38100" lvl="0" indent="-361950" algn="l" rtl="0">
+            <a:pPr marL="95250" marR="38100" lvl="0" indent="0" algn="l" rtl="0">
               <a:lnSpc>
                 <a:spcPct val="128571"/>
               </a:lnSpc>
@@ -7742,11 +8008,10 @@
                 <a:schemeClr val="dk1"/>
               </a:buClr>
               <a:buSzPts val="2100"/>
-              <a:buFont typeface="Oswald"/>
-              <a:buChar char="●"/>
+              <a:buNone/>
             </a:pPr>
             <a:r>
-              <a:rPr lang="en" sz="2100">
+              <a:rPr lang="en-US" sz="1600" dirty="0">
                 <a:solidFill>
                   <a:schemeClr val="dk1"/>
                 </a:solidFill>
@@ -7755,9 +8020,57 @@
                 <a:cs typeface="Oswald"/>
                 <a:sym typeface="Oswald"/>
               </a:rPr>
-              <a:t>Do social changes affect debt load?</a:t>
+              <a:t>social changes affect debt load</a:t>
             </a:r>
-            <a:endParaRPr sz="2100">
+          </a:p>
+          <a:p>
+            <a:pPr marL="95250" marR="38100" lvl="0" indent="0" algn="l" rtl="0">
+              <a:lnSpc>
+                <a:spcPct val="128571"/>
+              </a:lnSpc>
+              <a:spcBef>
+                <a:spcPts val="0"/>
+              </a:spcBef>
+              <a:spcAft>
+                <a:spcPts val="0"/>
+              </a:spcAft>
+              <a:buClr>
+                <a:schemeClr val="dk1"/>
+              </a:buClr>
+              <a:buSzPts val="2100"/>
+              <a:buNone/>
+            </a:pPr>
+            <a:r>
+              <a:rPr lang="en-US" sz="1200" dirty="0">
+                <a:solidFill>
+                  <a:schemeClr val="dk1"/>
+                </a:solidFill>
+                <a:latin typeface="Oswald"/>
+                <a:ea typeface="Oswald"/>
+                <a:cs typeface="Oswald"/>
+                <a:sym typeface="Oswald"/>
+              </a:rPr>
+              <a:t>With a decrease in the standard of living of the population, the debt load is growing</a:t>
+            </a:r>
+          </a:p>
+          <a:p>
+            <a:pPr marL="95250" marR="38100" lvl="0" indent="0" algn="l" rtl="0">
+              <a:lnSpc>
+                <a:spcPct val="128571"/>
+              </a:lnSpc>
+              <a:spcBef>
+                <a:spcPts val="0"/>
+              </a:spcBef>
+              <a:spcAft>
+                <a:spcPts val="0"/>
+              </a:spcAft>
+              <a:buClr>
+                <a:schemeClr val="dk1"/>
+              </a:buClr>
+              <a:buSzPts val="2100"/>
+              <a:buNone/>
+            </a:pPr>
+            <a:endParaRPr lang="en-US" sz="1200" dirty="0">
               <a:solidFill>
                 <a:schemeClr val="dk1"/>
               </a:solidFill>
@@ -7768,6 +8081,36 @@
             </a:endParaRPr>
           </a:p>
           <a:p>
+            <a:pPr marL="95250" marR="38100" lvl="0" indent="0" algn="l" rtl="0">
+              <a:lnSpc>
+                <a:spcPct val="128571"/>
+              </a:lnSpc>
+              <a:spcBef>
+                <a:spcPts val="0"/>
+              </a:spcBef>
+              <a:spcAft>
+                <a:spcPts val="0"/>
+              </a:spcAft>
+              <a:buClr>
+                <a:schemeClr val="dk1"/>
+              </a:buClr>
+              <a:buSzPts val="2100"/>
+              <a:buNone/>
+            </a:pPr>
+            <a:r>
+              <a:rPr lang="en-US" sz="1200" dirty="0">
+                <a:solidFill>
+                  <a:schemeClr val="dk1"/>
+                </a:solidFill>
+                <a:latin typeface="Oswald"/>
+                <a:ea typeface="Oswald"/>
+                <a:cs typeface="Oswald"/>
+                <a:sym typeface="Oswald"/>
+              </a:rPr>
+              <a:t>Increasing in the number of registered marriages has a positive effect on the increase in debt load</a:t>
+            </a:r>
+          </a:p>
+          <a:p>
             <a:pPr marL="0" lvl="0" indent="0" algn="l" rtl="0">
               <a:spcBef>
                 <a:spcPts val="0"/>
@@ -7777,7 +8120,7 @@
               </a:spcAft>
               <a:buNone/>
             </a:pPr>
-            <a:endParaRPr sz="1600">
+            <a:endParaRPr lang="en-US" sz="1600" dirty="0">
               <a:latin typeface="Oswald"/>
               <a:ea typeface="Oswald"/>
               <a:cs typeface="Oswald"/>
@@ -7794,7 +8137,7 @@
               </a:spcAft>
               <a:buNone/>
             </a:pPr>
-            <a:endParaRPr sz="1600">
+            <a:endParaRPr lang="en-US" sz="1600" dirty="0">
               <a:latin typeface="Oswald"/>
               <a:ea typeface="Oswald"/>
               <a:cs typeface="Oswald"/>
@@ -7992,7 +8335,7 @@
               <a:buChar char="●"/>
             </a:pPr>
             <a:r>
-              <a:rPr lang="en" sz="2100">
+              <a:rPr lang="en" sz="1600" dirty="0">
                 <a:solidFill>
                   <a:schemeClr val="dk1"/>
                 </a:solidFill>
@@ -8001,9 +8344,21 @@
                 <a:cs typeface="Oswald"/>
                 <a:sym typeface="Oswald"/>
               </a:rPr>
-              <a:t>Is it only influenced by external factors like inflation?</a:t>
+              <a:t>External factors like inflation, </a:t>
             </a:r>
-            <a:endParaRPr sz="2100">
+            <a:r>
+              <a:rPr lang="en-US" sz="1600" dirty="0">
+                <a:solidFill>
+                  <a:schemeClr val="dk1"/>
+                </a:solidFill>
+                <a:latin typeface="Oswald"/>
+                <a:ea typeface="Oswald"/>
+                <a:cs typeface="Oswald"/>
+                <a:sym typeface="Oswald"/>
+              </a:rPr>
+              <a:t>exchange rates</a:t>
+            </a:r>
+            <a:endParaRPr sz="1600" dirty="0">
               <a:solidFill>
                 <a:schemeClr val="dk1"/>
               </a:solidFill>
@@ -8213,25 +8568,18 @@
           </a:bodyPr>
           <a:lstStyle/>
           <a:p>
-            <a:pPr marL="457200" marR="38100" lvl="0" indent="-330200" algn="l" rtl="0">
+            <a:pPr marL="95250" marR="38100" indent="0">
               <a:lnSpc>
                 <a:spcPct val="128571"/>
               </a:lnSpc>
-              <a:spcBef>
-                <a:spcPts val="0"/>
-              </a:spcBef>
-              <a:spcAft>
-                <a:spcPts val="0"/>
-              </a:spcAft>
               <a:buClr>
                 <a:schemeClr val="dk1"/>
               </a:buClr>
-              <a:buSzPts val="1600"/>
-              <a:buFont typeface="Oswald"/>
-              <a:buChar char="●"/>
+              <a:buSzPts val="2100"/>
+              <a:buNone/>
             </a:pPr>
             <a:r>
-              <a:rPr lang="en" sz="2100">
+              <a:rPr lang="en-US" sz="1100" dirty="0">
                 <a:solidFill>
                   <a:schemeClr val="dk1"/>
                 </a:solidFill>
@@ -8240,9 +8588,69 @@
                 <a:cs typeface="Oswald"/>
                 <a:sym typeface="Oswald"/>
               </a:rPr>
-              <a:t>Does an increase in jobs (unemployment) affect debt load?</a:t>
+              <a:t>The number of recipients of assigned state social benefits for disability (for the loss of the breadwinner) </a:t>
             </a:r>
-            <a:endParaRPr sz="2100">
+          </a:p>
+          <a:p>
+            <a:pPr marL="95250" marR="38100" indent="0">
+              <a:lnSpc>
+                <a:spcPct val="128571"/>
+              </a:lnSpc>
+              <a:buClr>
+                <a:schemeClr val="dk1"/>
+              </a:buClr>
+              <a:buSzPts val="2100"/>
+              <a:buNone/>
+            </a:pPr>
+            <a:r>
+              <a:rPr lang="en-US" sz="1100" dirty="0">
+                <a:solidFill>
+                  <a:schemeClr val="dk1"/>
+                </a:solidFill>
+                <a:latin typeface="Oswald"/>
+                <a:ea typeface="Oswald"/>
+                <a:cs typeface="Oswald"/>
+                <a:sym typeface="Oswald"/>
+              </a:rPr>
+              <a:t>Average monthly salary by regions of the Republic of Kazakhstan</a:t>
+            </a:r>
+          </a:p>
+          <a:p>
+            <a:pPr marL="95250" marR="38100" indent="0">
+              <a:lnSpc>
+                <a:spcPct val="128571"/>
+              </a:lnSpc>
+              <a:buClr>
+                <a:schemeClr val="dk1"/>
+              </a:buClr>
+              <a:buSzPts val="2100"/>
+              <a:buNone/>
+            </a:pPr>
+            <a:r>
+              <a:rPr lang="en-US" sz="1100" dirty="0">
+                <a:solidFill>
+                  <a:schemeClr val="dk1"/>
+                </a:solidFill>
+                <a:latin typeface="Oswald"/>
+                <a:ea typeface="Oswald"/>
+                <a:cs typeface="Oswald"/>
+                <a:sym typeface="Oswald"/>
+              </a:rPr>
+              <a:t>have a negative effect on the increase in debt load</a:t>
+            </a:r>
+          </a:p>
+          <a:p>
+            <a:pPr marL="95250" marR="38100" indent="0">
+              <a:lnSpc>
+                <a:spcPct val="128571"/>
+              </a:lnSpc>
+              <a:buClr>
+                <a:schemeClr val="dk1"/>
+              </a:buClr>
+              <a:buSzPts val="2100"/>
+              <a:buNone/>
+            </a:pPr>
+            <a:endParaRPr lang="en-US" sz="1100" dirty="0">
               <a:solidFill>
                 <a:schemeClr val="dk1"/>
               </a:solidFill>
@@ -8253,36 +8661,17 @@
             </a:endParaRPr>
           </a:p>
           <a:p>
-            <a:pPr marL="457200" marR="38100" lvl="0" indent="-361950" algn="l" rtl="0">
+            <a:pPr marL="95250" marR="38100" indent="0">
               <a:lnSpc>
                 <a:spcPct val="128571"/>
               </a:lnSpc>
-              <a:spcBef>
-                <a:spcPts val="0"/>
-              </a:spcBef>
-              <a:spcAft>
-                <a:spcPts val="0"/>
-              </a:spcAft>
               <a:buClr>
                 <a:schemeClr val="dk1"/>
               </a:buClr>
               <a:buSzPts val="2100"/>
-              <a:buFont typeface="Oswald"/>
-              <a:buChar char="●"/>
+              <a:buNone/>
             </a:pPr>
-            <a:r>
-              <a:rPr lang="en" sz="2100">
-                <a:solidFill>
-                  <a:schemeClr val="dk1"/>
-                </a:solidFill>
-                <a:latin typeface="Oswald"/>
-                <a:ea typeface="Oswald"/>
-                <a:cs typeface="Oswald"/>
-                <a:sym typeface="Oswald"/>
-              </a:rPr>
-              <a:t>Or other factors?</a:t>
-            </a:r>
-            <a:endParaRPr sz="2100">
+            <a:endParaRPr sz="1100" dirty="0">
               <a:solidFill>
                 <a:schemeClr val="dk1"/>
               </a:solidFill>
